--- a/ppts/[Session3] Text Exploration & Visualization 실습.pptx
+++ b/ppts/[Session3] Text Exploration & Visualization 실습.pptx
@@ -245,7 +245,7 @@
           <a:p>
             <a:fld id="{7A6B77AA-7177-4D50-AB49-C260886B6169}" type="datetimeFigureOut">
               <a:rPr lang="ko-KR" altLang="en-US" smtClean="0"/>
-              <a:t>2017-06-24</a:t>
+              <a:t>2017-09-25</a:t>
             </a:fld>
             <a:endParaRPr lang="ko-KR" altLang="en-US"/>
           </a:p>
@@ -694,7 +694,7 @@
           <a:p>
             <a:fld id="{1179C0B5-9E42-4E82-BD73-9C37117B84AF}" type="datetimeFigureOut">
               <a:rPr lang="ko-KR" altLang="en-US" smtClean="0"/>
-              <a:t>2017-06-24</a:t>
+              <a:t>2017-09-25</a:t>
             </a:fld>
             <a:endParaRPr lang="ko-KR" altLang="en-US"/>
           </a:p>
@@ -864,7 +864,7 @@
           <a:p>
             <a:fld id="{1179C0B5-9E42-4E82-BD73-9C37117B84AF}" type="datetimeFigureOut">
               <a:rPr lang="ko-KR" altLang="en-US" smtClean="0"/>
-              <a:t>2017-06-24</a:t>
+              <a:t>2017-09-25</a:t>
             </a:fld>
             <a:endParaRPr lang="ko-KR" altLang="en-US"/>
           </a:p>
@@ -1044,7 +1044,7 @@
           <a:p>
             <a:fld id="{1179C0B5-9E42-4E82-BD73-9C37117B84AF}" type="datetimeFigureOut">
               <a:rPr lang="ko-KR" altLang="en-US" smtClean="0"/>
-              <a:t>2017-06-24</a:t>
+              <a:t>2017-09-25</a:t>
             </a:fld>
             <a:endParaRPr lang="ko-KR" altLang="en-US"/>
           </a:p>
@@ -1214,7 +1214,7 @@
           <a:p>
             <a:fld id="{1179C0B5-9E42-4E82-BD73-9C37117B84AF}" type="datetimeFigureOut">
               <a:rPr lang="ko-KR" altLang="en-US" smtClean="0"/>
-              <a:t>2017-06-24</a:t>
+              <a:t>2017-09-25</a:t>
             </a:fld>
             <a:endParaRPr lang="ko-KR" altLang="en-US"/>
           </a:p>
@@ -1460,7 +1460,7 @@
           <a:p>
             <a:fld id="{1179C0B5-9E42-4E82-BD73-9C37117B84AF}" type="datetimeFigureOut">
               <a:rPr lang="ko-KR" altLang="en-US" smtClean="0"/>
-              <a:t>2017-06-24</a:t>
+              <a:t>2017-09-25</a:t>
             </a:fld>
             <a:endParaRPr lang="ko-KR" altLang="en-US"/>
           </a:p>
@@ -1748,7 +1748,7 @@
           <a:p>
             <a:fld id="{1179C0B5-9E42-4E82-BD73-9C37117B84AF}" type="datetimeFigureOut">
               <a:rPr lang="ko-KR" altLang="en-US" smtClean="0"/>
-              <a:t>2017-06-24</a:t>
+              <a:t>2017-09-25</a:t>
             </a:fld>
             <a:endParaRPr lang="ko-KR" altLang="en-US"/>
           </a:p>
@@ -2170,7 +2170,7 @@
           <a:p>
             <a:fld id="{1179C0B5-9E42-4E82-BD73-9C37117B84AF}" type="datetimeFigureOut">
               <a:rPr lang="ko-KR" altLang="en-US" smtClean="0"/>
-              <a:t>2017-06-24</a:t>
+              <a:t>2017-09-25</a:t>
             </a:fld>
             <a:endParaRPr lang="ko-KR" altLang="en-US"/>
           </a:p>
@@ -2288,7 +2288,7 @@
           <a:p>
             <a:fld id="{1179C0B5-9E42-4E82-BD73-9C37117B84AF}" type="datetimeFigureOut">
               <a:rPr lang="ko-KR" altLang="en-US" smtClean="0"/>
-              <a:t>2017-06-24</a:t>
+              <a:t>2017-09-25</a:t>
             </a:fld>
             <a:endParaRPr lang="ko-KR" altLang="en-US"/>
           </a:p>
@@ -2383,7 +2383,7 @@
           <a:p>
             <a:fld id="{1179C0B5-9E42-4E82-BD73-9C37117B84AF}" type="datetimeFigureOut">
               <a:rPr lang="ko-KR" altLang="en-US" smtClean="0"/>
-              <a:t>2017-06-24</a:t>
+              <a:t>2017-09-25</a:t>
             </a:fld>
             <a:endParaRPr lang="ko-KR" altLang="en-US"/>
           </a:p>
@@ -2660,7 +2660,7 @@
           <a:p>
             <a:fld id="{1179C0B5-9E42-4E82-BD73-9C37117B84AF}" type="datetimeFigureOut">
               <a:rPr lang="ko-KR" altLang="en-US" smtClean="0"/>
-              <a:t>2017-06-24</a:t>
+              <a:t>2017-09-25</a:t>
             </a:fld>
             <a:endParaRPr lang="ko-KR" altLang="en-US"/>
           </a:p>
@@ -2913,7 +2913,7 @@
           <a:p>
             <a:fld id="{1179C0B5-9E42-4E82-BD73-9C37117B84AF}" type="datetimeFigureOut">
               <a:rPr lang="ko-KR" altLang="en-US" smtClean="0"/>
-              <a:t>2017-06-24</a:t>
+              <a:t>2017-09-25</a:t>
             </a:fld>
             <a:endParaRPr lang="ko-KR" altLang="en-US"/>
           </a:p>
@@ -3126,7 +3126,7 @@
           <a:p>
             <a:fld id="{1179C0B5-9E42-4E82-BD73-9C37117B84AF}" type="datetimeFigureOut">
               <a:rPr lang="ko-KR" altLang="en-US" smtClean="0"/>
-              <a:t>2017-06-24</a:t>
+              <a:t>2017-09-25</a:t>
             </a:fld>
             <a:endParaRPr lang="ko-KR" altLang="en-US"/>
           </a:p>
@@ -3715,76 +3715,6 @@
       </p:sp>
       <p:sp>
         <p:nvSpPr>
-          <p:cNvPr id="6" name="TextBox 5"/>
-          <p:cNvSpPr txBox="1"/>
-          <p:nvPr/>
-        </p:nvSpPr>
-        <p:spPr>
-          <a:xfrm>
-            <a:off x="854185" y="3510300"/>
-            <a:ext cx="1402948" cy="369332"/>
-          </a:xfrm>
-          <a:prstGeom prst="rect">
-            <a:avLst/>
-          </a:prstGeom>
-          <a:noFill/>
-        </p:spPr>
-        <p:txBody>
-          <a:bodyPr wrap="none" rtlCol="0">
-            <a:spAutoFit/>
-          </a:bodyPr>
-          <a:lstStyle/>
-          <a:p>
-            <a:r>
-              <a:rPr lang="ko-KR" altLang="en-US" dirty="0" smtClean="0">
-                <a:gradFill>
-                  <a:gsLst>
-                    <a:gs pos="0">
-                      <a:schemeClr val="tx1">
-                        <a:lumMod val="65000"/>
-                        <a:lumOff val="35000"/>
-                      </a:schemeClr>
-                    </a:gs>
-                    <a:gs pos="100000">
-                      <a:schemeClr val="tx1">
-                        <a:lumMod val="65000"/>
-                        <a:lumOff val="35000"/>
-                      </a:schemeClr>
-                    </a:gs>
-                  </a:gsLst>
-                  <a:lin ang="5400000" scaled="0"/>
-                </a:gradFill>
-                <a:latin typeface="Arial" pitchFamily="34" charset="0"/>
-                <a:cs typeface="Arial" pitchFamily="34" charset="0"/>
-              </a:rPr>
-              <a:t>박진수 교수</a:t>
-            </a:r>
-            <a:endParaRPr lang="ko-KR" altLang="en-US" dirty="0">
-              <a:gradFill>
-                <a:gsLst>
-                  <a:gs pos="0">
-                    <a:schemeClr val="tx1">
-                      <a:lumMod val="65000"/>
-                      <a:lumOff val="35000"/>
-                    </a:schemeClr>
-                  </a:gs>
-                  <a:gs pos="100000">
-                    <a:schemeClr val="tx1">
-                      <a:lumMod val="65000"/>
-                      <a:lumOff val="35000"/>
-                    </a:schemeClr>
-                  </a:gs>
-                </a:gsLst>
-                <a:lin ang="5400000" scaled="0"/>
-              </a:gradFill>
-              <a:latin typeface="Arial" pitchFamily="34" charset="0"/>
-              <a:cs typeface="Arial" pitchFamily="34" charset="0"/>
-            </a:endParaRPr>
-          </a:p>
-        </p:txBody>
-      </p:sp>
-      <p:sp>
-        <p:nvSpPr>
           <p:cNvPr id="7" name="TextBox 6"/>
           <p:cNvSpPr txBox="1"/>
           <p:nvPr/>
@@ -18901,25 +18831,7 @@
                 <a:latin typeface="Arial" pitchFamily="34" charset="0"/>
                 <a:cs typeface="Arial" pitchFamily="34" charset="0"/>
               </a:rPr>
-              <a:t>3-1</a:t>
-            </a:r>
-            <a:r>
-              <a:rPr lang="en-US" altLang="ko-KR" sz="2400" b="1" dirty="0" smtClean="0">
-                <a:gradFill>
-                  <a:gsLst>
-                    <a:gs pos="0">
-                      <a:srgbClr val="339966"/>
-                    </a:gs>
-                    <a:gs pos="100000">
-                      <a:srgbClr val="339966"/>
-                    </a:gs>
-                  </a:gsLst>
-                  <a:lin ang="5400000" scaled="0"/>
-                </a:gradFill>
-                <a:latin typeface="Arial" pitchFamily="34" charset="0"/>
-                <a:cs typeface="Arial" pitchFamily="34" charset="0"/>
-              </a:rPr>
-              <a:t>. </a:t>
+              <a:t>3-1. </a:t>
             </a:r>
             <a:r>
               <a:rPr lang="ko-KR" altLang="en-US" sz="2400" b="1" dirty="0" smtClean="0">
@@ -19831,31 +19743,7 @@
                 <a:latin typeface="Arial" pitchFamily="34" charset="0"/>
                 <a:cs typeface="Arial" pitchFamily="34" charset="0"/>
               </a:rPr>
-              <a:t>- </a:t>
-            </a:r>
-            <a:r>
-              <a:rPr lang="en-US" altLang="ko-KR" sz="1200" dirty="0" smtClean="0">
-                <a:gradFill>
-                  <a:gsLst>
-                    <a:gs pos="0">
-                      <a:schemeClr val="tx1">
-                        <a:lumMod val="65000"/>
-                        <a:lumOff val="35000"/>
-                      </a:schemeClr>
-                    </a:gs>
-                    <a:gs pos="100000">
-                      <a:schemeClr val="tx1">
-                        <a:lumMod val="65000"/>
-                        <a:lumOff val="35000"/>
-                      </a:schemeClr>
-                    </a:gs>
-                  </a:gsLst>
-                  <a:lin ang="5400000" scaled="0"/>
-                </a:gradFill>
-                <a:latin typeface="Arial" pitchFamily="34" charset="0"/>
-                <a:cs typeface="Arial" pitchFamily="34" charset="0"/>
-              </a:rPr>
-              <a:t>(</a:t>
+              <a:t>- (</a:t>
             </a:r>
             <a:r>
               <a:rPr lang="ko-KR" altLang="en-US" sz="1200" dirty="0" smtClean="0">
@@ -20189,31 +20077,7 @@
                 <a:latin typeface="Arial" pitchFamily="34" charset="0"/>
                 <a:cs typeface="Arial" pitchFamily="34" charset="0"/>
               </a:rPr>
-              <a:t>- </a:t>
-            </a:r>
-            <a:r>
-              <a:rPr lang="en-US" altLang="ko-KR" sz="1200" dirty="0" smtClean="0">
-                <a:gradFill>
-                  <a:gsLst>
-                    <a:gs pos="0">
-                      <a:schemeClr val="tx1">
-                        <a:lumMod val="65000"/>
-                        <a:lumOff val="35000"/>
-                      </a:schemeClr>
-                    </a:gs>
-                    <a:gs pos="100000">
-                      <a:schemeClr val="tx1">
-                        <a:lumMod val="65000"/>
-                        <a:lumOff val="35000"/>
-                      </a:schemeClr>
-                    </a:gs>
-                  </a:gsLst>
-                  <a:lin ang="5400000" scaled="0"/>
-                </a:gradFill>
-                <a:latin typeface="Arial" pitchFamily="34" charset="0"/>
-                <a:cs typeface="Arial" pitchFamily="34" charset="0"/>
-              </a:rPr>
-              <a:t>Unique</a:t>
+              <a:t>- Unique</a:t>
             </a:r>
             <a:r>
               <a:rPr lang="ko-KR" altLang="en-US" sz="1200" dirty="0" smtClean="0">
@@ -20319,25 +20183,7 @@
                 <a:latin typeface="Arial" pitchFamily="34" charset="0"/>
                 <a:cs typeface="Arial" pitchFamily="34" charset="0"/>
               </a:rPr>
-              <a:t>3-1</a:t>
-            </a:r>
-            <a:r>
-              <a:rPr lang="en-US" altLang="ko-KR" sz="2400" b="1" dirty="0" smtClean="0">
-                <a:gradFill>
-                  <a:gsLst>
-                    <a:gs pos="0">
-                      <a:srgbClr val="339966"/>
-                    </a:gs>
-                    <a:gs pos="100000">
-                      <a:srgbClr val="339966"/>
-                    </a:gs>
-                  </a:gsLst>
-                  <a:lin ang="5400000" scaled="0"/>
-                </a:gradFill>
-                <a:latin typeface="Arial" pitchFamily="34" charset="0"/>
-                <a:cs typeface="Arial" pitchFamily="34" charset="0"/>
-              </a:rPr>
-              <a:t>. </a:t>
+              <a:t>3-1. </a:t>
             </a:r>
             <a:r>
               <a:rPr lang="ko-KR" altLang="en-US" sz="2400" b="1" dirty="0" smtClean="0">
@@ -21961,25 +21807,7 @@
                 <a:latin typeface="Arial" pitchFamily="34" charset="0"/>
                 <a:cs typeface="Arial" pitchFamily="34" charset="0"/>
               </a:rPr>
-              <a:t>3-1</a:t>
-            </a:r>
-            <a:r>
-              <a:rPr lang="en-US" altLang="ko-KR" sz="2400" b="1" dirty="0" smtClean="0">
-                <a:gradFill>
-                  <a:gsLst>
-                    <a:gs pos="0">
-                      <a:srgbClr val="339966"/>
-                    </a:gs>
-                    <a:gs pos="100000">
-                      <a:srgbClr val="339966"/>
-                    </a:gs>
-                  </a:gsLst>
-                  <a:lin ang="5400000" scaled="0"/>
-                </a:gradFill>
-                <a:latin typeface="Arial" pitchFamily="34" charset="0"/>
-                <a:cs typeface="Arial" pitchFamily="34" charset="0"/>
-              </a:rPr>
-              <a:t>. </a:t>
+              <a:t>3-1. </a:t>
             </a:r>
             <a:r>
               <a:rPr lang="ko-KR" altLang="en-US" sz="2400" b="1" dirty="0" smtClean="0">
@@ -22867,31 +22695,7 @@
                 <a:latin typeface="Arial" pitchFamily="34" charset="0"/>
                 <a:cs typeface="Arial" pitchFamily="34" charset="0"/>
               </a:rPr>
-              <a:t>■ </a:t>
-            </a:r>
-            <a:r>
-              <a:rPr lang="en-US" altLang="ko-KR" sz="1050" dirty="0" smtClean="0">
-                <a:gradFill>
-                  <a:gsLst>
-                    <a:gs pos="0">
-                      <a:schemeClr val="tx1">
-                        <a:lumMod val="65000"/>
-                        <a:lumOff val="35000"/>
-                      </a:schemeClr>
-                    </a:gs>
-                    <a:gs pos="100000">
-                      <a:schemeClr val="tx1">
-                        <a:lumMod val="65000"/>
-                        <a:lumOff val="35000"/>
-                      </a:schemeClr>
-                    </a:gs>
-                  </a:gsLst>
-                  <a:lin ang="5400000" scaled="0"/>
-                </a:gradFill>
-                <a:latin typeface="Arial" pitchFamily="34" charset="0"/>
-                <a:cs typeface="Arial" pitchFamily="34" charset="0"/>
-              </a:rPr>
-              <a:t>occurrence matrix</a:t>
+              <a:t>■ occurrence matrix</a:t>
             </a:r>
             <a:r>
               <a:rPr lang="ko-KR" altLang="en-US" sz="1050" dirty="0" smtClean="0">
@@ -22941,8 +22745,8 @@
           </a:p>
         </p:txBody>
       </p:sp>
-      <mc:AlternateContent xmlns:mc="http://schemas.openxmlformats.org/markup-compatibility/2006">
-        <mc:Choice xmlns:a14="http://schemas.microsoft.com/office/drawing/2010/main" Requires="a14">
+      <mc:AlternateContent xmlns:mc="http://schemas.openxmlformats.org/markup-compatibility/2006" xmlns:a14="http://schemas.microsoft.com/office/drawing/2010/main">
+        <mc:Choice Requires="a14">
           <p:sp>
             <p:nvSpPr>
               <p:cNvPr id="5" name="TextBox 4"/>
@@ -23303,7 +23107,7 @@
             </p:txBody>
           </p:sp>
         </mc:Choice>
-        <mc:Fallback>
+        <mc:Fallback xmlns="">
           <p:sp>
             <p:nvSpPr>
               <p:cNvPr id="5" name="TextBox 4"/>
@@ -23670,25 +23474,7 @@
                 <a:latin typeface="Arial" pitchFamily="34" charset="0"/>
                 <a:cs typeface="Arial" pitchFamily="34" charset="0"/>
               </a:rPr>
-              <a:t>3-1</a:t>
-            </a:r>
-            <a:r>
-              <a:rPr lang="en-US" altLang="ko-KR" sz="2400" b="1" dirty="0" smtClean="0">
-                <a:gradFill>
-                  <a:gsLst>
-                    <a:gs pos="0">
-                      <a:srgbClr val="339966"/>
-                    </a:gs>
-                    <a:gs pos="100000">
-                      <a:srgbClr val="339966"/>
-                    </a:gs>
-                  </a:gsLst>
-                  <a:lin ang="5400000" scaled="0"/>
-                </a:gradFill>
-                <a:latin typeface="Arial" pitchFamily="34" charset="0"/>
-                <a:cs typeface="Arial" pitchFamily="34" charset="0"/>
-              </a:rPr>
-              <a:t>. </a:t>
+              <a:t>3-1. </a:t>
             </a:r>
             <a:r>
               <a:rPr lang="ko-KR" altLang="en-US" sz="2400" b="1" dirty="0" smtClean="0">
@@ -23788,31 +23574,7 @@
                 <a:latin typeface="Arial" pitchFamily="34" charset="0"/>
                 <a:cs typeface="Arial" pitchFamily="34" charset="0"/>
               </a:rPr>
-              <a:t>■ </a:t>
-            </a:r>
-            <a:r>
-              <a:rPr lang="en-US" altLang="ko-KR" sz="1050" dirty="0" smtClean="0">
-                <a:gradFill>
-                  <a:gsLst>
-                    <a:gs pos="0">
-                      <a:schemeClr val="tx1">
-                        <a:lumMod val="65000"/>
-                        <a:lumOff val="35000"/>
-                      </a:schemeClr>
-                    </a:gs>
-                    <a:gs pos="100000">
-                      <a:schemeClr val="tx1">
-                        <a:lumMod val="65000"/>
-                        <a:lumOff val="35000"/>
-                      </a:schemeClr>
-                    </a:gs>
-                  </a:gsLst>
-                  <a:lin ang="5400000" scaled="0"/>
-                </a:gradFill>
-                <a:latin typeface="Arial" pitchFamily="34" charset="0"/>
-                <a:cs typeface="Arial" pitchFamily="34" charset="0"/>
-              </a:rPr>
-              <a:t>co-occurrence matrix</a:t>
+              <a:t>■ co-occurrence matrix</a:t>
             </a:r>
             <a:r>
               <a:rPr lang="ko-KR" altLang="en-US" sz="1050" dirty="0" smtClean="0">
@@ -23862,8 +23624,8 @@
           </a:p>
         </p:txBody>
       </p:sp>
-      <mc:AlternateContent xmlns:mc="http://schemas.openxmlformats.org/markup-compatibility/2006">
-        <mc:Choice xmlns:a14="http://schemas.microsoft.com/office/drawing/2010/main" Requires="a14">
+      <mc:AlternateContent xmlns:mc="http://schemas.openxmlformats.org/markup-compatibility/2006" xmlns:a14="http://schemas.microsoft.com/office/drawing/2010/main">
+        <mc:Choice Requires="a14">
           <p:sp>
             <p:nvSpPr>
               <p:cNvPr id="5" name="TextBox 4"/>
@@ -23886,6 +23648,7 @@
               </a:bodyPr>
               <a:lstStyle/>
               <a:p>
+                <a:pPr/>
                 <a14:m>
                   <m:oMathPara xmlns:m="http://schemas.openxmlformats.org/officeDocument/2006/math">
                     <m:oMathParaPr>
@@ -24437,7 +24200,7 @@
             </p:txBody>
           </p:sp>
         </mc:Choice>
-        <mc:Fallback>
+        <mc:Fallback xmlns="">
           <p:sp>
             <p:nvSpPr>
               <p:cNvPr id="5" name="TextBox 4"/>
@@ -25873,31 +25636,7 @@
                 <a:latin typeface="Arial" pitchFamily="34" charset="0"/>
                 <a:cs typeface="Arial" pitchFamily="34" charset="0"/>
               </a:rPr>
-              <a:t>■ </a:t>
-            </a:r>
-            <a:r>
-              <a:rPr lang="en-US" altLang="ko-KR" sz="1050" dirty="0" smtClean="0">
-                <a:gradFill>
-                  <a:gsLst>
-                    <a:gs pos="0">
-                      <a:schemeClr val="tx1">
-                        <a:lumMod val="65000"/>
-                        <a:lumOff val="35000"/>
-                      </a:schemeClr>
-                    </a:gs>
-                    <a:gs pos="100000">
-                      <a:schemeClr val="tx1">
-                        <a:lumMod val="65000"/>
-                        <a:lumOff val="35000"/>
-                      </a:schemeClr>
-                    </a:gs>
-                  </a:gsLst>
-                  <a:lin ang="5400000" scaled="0"/>
-                </a:gradFill>
-                <a:latin typeface="Arial" pitchFamily="34" charset="0"/>
-                <a:cs typeface="Arial" pitchFamily="34" charset="0"/>
-              </a:rPr>
-              <a:t>co-occurrence matrix</a:t>
+              <a:t>■ co-occurrence matrix</a:t>
             </a:r>
             <a:r>
               <a:rPr lang="ko-KR" altLang="en-US" sz="1050" dirty="0" smtClean="0">
@@ -26521,25 +26260,7 @@
                 <a:latin typeface="Arial" pitchFamily="34" charset="0"/>
                 <a:cs typeface="Arial" pitchFamily="34" charset="0"/>
               </a:rPr>
-              <a:t>3-1</a:t>
-            </a:r>
-            <a:r>
-              <a:rPr lang="en-US" altLang="ko-KR" sz="2400" b="1" dirty="0" smtClean="0">
-                <a:gradFill>
-                  <a:gsLst>
-                    <a:gs pos="0">
-                      <a:srgbClr val="339966"/>
-                    </a:gs>
-                    <a:gs pos="100000">
-                      <a:srgbClr val="339966"/>
-                    </a:gs>
-                  </a:gsLst>
-                  <a:lin ang="5400000" scaled="0"/>
-                </a:gradFill>
-                <a:latin typeface="Arial" pitchFamily="34" charset="0"/>
-                <a:cs typeface="Arial" pitchFamily="34" charset="0"/>
-              </a:rPr>
-              <a:t>. </a:t>
+              <a:t>3-1. </a:t>
             </a:r>
             <a:r>
               <a:rPr lang="ko-KR" altLang="en-US" sz="2400" b="1" dirty="0" smtClean="0">
@@ -26734,25 +26455,7 @@
                 <a:latin typeface="Arial" pitchFamily="34" charset="0"/>
                 <a:cs typeface="Arial" pitchFamily="34" charset="0"/>
               </a:rPr>
-              <a:t>3-2</a:t>
-            </a:r>
-            <a:r>
-              <a:rPr lang="en-US" altLang="ko-KR" sz="2400" b="1" dirty="0" smtClean="0">
-                <a:gradFill>
-                  <a:gsLst>
-                    <a:gs pos="0">
-                      <a:srgbClr val="339966"/>
-                    </a:gs>
-                    <a:gs pos="100000">
-                      <a:srgbClr val="339966"/>
-                    </a:gs>
-                  </a:gsLst>
-                  <a:lin ang="5400000" scaled="0"/>
-                </a:gradFill>
-                <a:latin typeface="Arial" pitchFamily="34" charset="0"/>
-                <a:cs typeface="Arial" pitchFamily="34" charset="0"/>
-              </a:rPr>
-              <a:t>. </a:t>
+              <a:t>3-2. </a:t>
             </a:r>
             <a:r>
               <a:rPr lang="ko-KR" altLang="en-US" sz="2400" b="1" dirty="0" smtClean="0">
@@ -27722,25 +27425,7 @@
                 <a:latin typeface="Arial" pitchFamily="34" charset="0"/>
                 <a:cs typeface="Arial" pitchFamily="34" charset="0"/>
               </a:rPr>
-              <a:t>3-2</a:t>
-            </a:r>
-            <a:r>
-              <a:rPr lang="en-US" altLang="ko-KR" sz="2400" b="1" dirty="0" smtClean="0">
-                <a:gradFill>
-                  <a:gsLst>
-                    <a:gs pos="0">
-                      <a:srgbClr val="339966"/>
-                    </a:gs>
-                    <a:gs pos="100000">
-                      <a:srgbClr val="339966"/>
-                    </a:gs>
-                  </a:gsLst>
-                  <a:lin ang="5400000" scaled="0"/>
-                </a:gradFill>
-                <a:latin typeface="Arial" pitchFamily="34" charset="0"/>
-                <a:cs typeface="Arial" pitchFamily="34" charset="0"/>
-              </a:rPr>
-              <a:t>. </a:t>
+              <a:t>3-2. </a:t>
             </a:r>
             <a:r>
               <a:rPr lang="ko-KR" altLang="en-US" sz="2400" b="1" dirty="0" smtClean="0">
@@ -28202,25 +27887,7 @@
                 <a:latin typeface="Arial" pitchFamily="34" charset="0"/>
                 <a:cs typeface="Arial" pitchFamily="34" charset="0"/>
               </a:rPr>
-              <a:t>3-2</a:t>
-            </a:r>
-            <a:r>
-              <a:rPr lang="en-US" altLang="ko-KR" sz="2400" b="1" dirty="0" smtClean="0">
-                <a:gradFill>
-                  <a:gsLst>
-                    <a:gs pos="0">
-                      <a:srgbClr val="339966"/>
-                    </a:gs>
-                    <a:gs pos="100000">
-                      <a:srgbClr val="339966"/>
-                    </a:gs>
-                  </a:gsLst>
-                  <a:lin ang="5400000" scaled="0"/>
-                </a:gradFill>
-                <a:latin typeface="Arial" pitchFamily="34" charset="0"/>
-                <a:cs typeface="Arial" pitchFamily="34" charset="0"/>
-              </a:rPr>
-              <a:t>. </a:t>
+              <a:t>3-2. </a:t>
             </a:r>
             <a:r>
               <a:rPr lang="ko-KR" altLang="en-US" sz="2400" b="1" dirty="0" smtClean="0">
@@ -28682,25 +28349,7 @@
                 <a:latin typeface="Arial" pitchFamily="34" charset="0"/>
                 <a:cs typeface="Arial" pitchFamily="34" charset="0"/>
               </a:rPr>
-              <a:t>3-2</a:t>
-            </a:r>
-            <a:r>
-              <a:rPr lang="en-US" altLang="ko-KR" sz="2400" b="1" dirty="0" smtClean="0">
-                <a:gradFill>
-                  <a:gsLst>
-                    <a:gs pos="0">
-                      <a:srgbClr val="339966"/>
-                    </a:gs>
-                    <a:gs pos="100000">
-                      <a:srgbClr val="339966"/>
-                    </a:gs>
-                  </a:gsLst>
-                  <a:lin ang="5400000" scaled="0"/>
-                </a:gradFill>
-                <a:latin typeface="Arial" pitchFamily="34" charset="0"/>
-                <a:cs typeface="Arial" pitchFamily="34" charset="0"/>
-              </a:rPr>
-              <a:t>. </a:t>
+              <a:t>3-2. </a:t>
             </a:r>
             <a:r>
               <a:rPr lang="ko-KR" altLang="en-US" sz="2400" b="1" dirty="0" smtClean="0">
